--- a/ppt 16-9/0554.耶稣宝血.pptx
+++ b/ppt 16-9/0554.耶稣宝血.pptx
@@ -5,7 +5,7 @@
     <p:sldMasterId id="2147483648" r:id="rId1"/>
   </p:sldMasterIdLst>
   <p:sldIdLst>
-    <p:sldId id="2308" r:id="rId2"/>
+    <p:sldId id="2309" r:id="rId2"/>
   </p:sldIdLst>
   <p:sldSz cx="12192000" cy="6858000"/>
   <p:notesSz cx="6858000" cy="9144000"/>
@@ -129,7 +129,7 @@
           <p:cNvPr id="2" name="标题 1">
             <a:extLst>
               <a:ext uri="{FF2B5EF4-FFF2-40B4-BE49-F238E27FC236}">
-                <a16:creationId xmlns:a16="http://schemas.microsoft.com/office/drawing/2014/main" id="{4FB6A38B-3FA1-CFE5-BD89-F785C49C9357}"/>
+                <a16:creationId xmlns:a16="http://schemas.microsoft.com/office/drawing/2014/main" id="{ED0BEF9D-2022-20DA-9CEB-24177CE3D1BB}"/>
               </a:ext>
             </a:extLst>
           </p:cNvPr>
@@ -166,7 +166,7 @@
           <p:cNvPr id="3" name="副标题 2">
             <a:extLst>
               <a:ext uri="{FF2B5EF4-FFF2-40B4-BE49-F238E27FC236}">
-                <a16:creationId xmlns:a16="http://schemas.microsoft.com/office/drawing/2014/main" id="{1B426BF4-30C8-24B9-E53A-8032E6B59A16}"/>
+                <a16:creationId xmlns:a16="http://schemas.microsoft.com/office/drawing/2014/main" id="{71C63000-C73F-D7DA-81FA-578A07CF42C9}"/>
               </a:ext>
             </a:extLst>
           </p:cNvPr>
@@ -236,7 +236,7 @@
           <p:cNvPr id="4" name="日期占位符 3">
             <a:extLst>
               <a:ext uri="{FF2B5EF4-FFF2-40B4-BE49-F238E27FC236}">
-                <a16:creationId xmlns:a16="http://schemas.microsoft.com/office/drawing/2014/main" id="{B5784B1F-4A35-0C94-F628-A79FEF96155F}"/>
+                <a16:creationId xmlns:a16="http://schemas.microsoft.com/office/drawing/2014/main" id="{3C775936-0166-3E35-1D38-8ED97D8F1181}"/>
               </a:ext>
             </a:extLst>
           </p:cNvPr>
@@ -252,7 +252,7 @@
           <a:bodyPr/>
           <a:lstStyle/>
           <a:p>
-            <a:fld id="{50151DF2-BFEF-4623-83F5-5C562099D76B}" type="datetimeFigureOut">
+            <a:fld id="{E104E2D6-3EDC-454A-97CF-8743B42AA58C}" type="datetimeFigureOut">
               <a:rPr lang="zh-CN" altLang="en-US" smtClean="0"/>
               <a:t>2024/3/10</a:t>
             </a:fld>
@@ -265,7 +265,7 @@
           <p:cNvPr id="5" name="页脚占位符 4">
             <a:extLst>
               <a:ext uri="{FF2B5EF4-FFF2-40B4-BE49-F238E27FC236}">
-                <a16:creationId xmlns:a16="http://schemas.microsoft.com/office/drawing/2014/main" id="{BD44371F-27CF-7071-93D1-333C9A807E57}"/>
+                <a16:creationId xmlns:a16="http://schemas.microsoft.com/office/drawing/2014/main" id="{3C0C05A5-9BDC-8069-D511-85D3E80222CD}"/>
               </a:ext>
             </a:extLst>
           </p:cNvPr>
@@ -290,7 +290,7 @@
           <p:cNvPr id="6" name="灯片编号占位符 5">
             <a:extLst>
               <a:ext uri="{FF2B5EF4-FFF2-40B4-BE49-F238E27FC236}">
-                <a16:creationId xmlns:a16="http://schemas.microsoft.com/office/drawing/2014/main" id="{5201FBFA-100A-8801-732D-72F4BBFEBEE0}"/>
+                <a16:creationId xmlns:a16="http://schemas.microsoft.com/office/drawing/2014/main" id="{55F0ACEC-FE12-47ED-9A8F-21848F8AEA3B}"/>
               </a:ext>
             </a:extLst>
           </p:cNvPr>
@@ -306,7 +306,7 @@
           <a:bodyPr/>
           <a:lstStyle/>
           <a:p>
-            <a:fld id="{CAE7DC91-813C-421B-B846-CF0283B5E22D}" type="slidenum">
+            <a:fld id="{A58BDCCF-C77F-4660-95A3-0074C01BEBAD}" type="slidenum">
               <a:rPr lang="zh-CN" altLang="en-US" smtClean="0"/>
               <a:t>‹#›</a:t>
             </a:fld>
@@ -317,7 +317,7 @@
     </p:spTree>
     <p:extLst>
       <p:ext uri="{BB962C8B-B14F-4D97-AF65-F5344CB8AC3E}">
-        <p14:creationId xmlns:p14="http://schemas.microsoft.com/office/powerpoint/2010/main" val="1516367254"/>
+        <p14:creationId xmlns:p14="http://schemas.microsoft.com/office/powerpoint/2010/main" val="3941802565"/>
       </p:ext>
     </p:extLst>
   </p:cSld>
@@ -349,7 +349,7 @@
           <p:cNvPr id="2" name="标题 1">
             <a:extLst>
               <a:ext uri="{FF2B5EF4-FFF2-40B4-BE49-F238E27FC236}">
-                <a16:creationId xmlns:a16="http://schemas.microsoft.com/office/drawing/2014/main" id="{1FAD710D-EB22-5C30-A426-16603CDA34BF}"/>
+                <a16:creationId xmlns:a16="http://schemas.microsoft.com/office/drawing/2014/main" id="{41F93831-56A4-9F65-AC75-D7B1BFDB4CF1}"/>
               </a:ext>
             </a:extLst>
           </p:cNvPr>
@@ -377,7 +377,7 @@
           <p:cNvPr id="3" name="竖排文字占位符 2">
             <a:extLst>
               <a:ext uri="{FF2B5EF4-FFF2-40B4-BE49-F238E27FC236}">
-                <a16:creationId xmlns:a16="http://schemas.microsoft.com/office/drawing/2014/main" id="{2D28AEDC-44DD-8EAD-F6E0-31E269E91C88}"/>
+                <a16:creationId xmlns:a16="http://schemas.microsoft.com/office/drawing/2014/main" id="{02EE42EB-C760-C908-77F3-DBB833CF3BBB}"/>
               </a:ext>
             </a:extLst>
           </p:cNvPr>
@@ -434,7 +434,7 @@
           <p:cNvPr id="4" name="日期占位符 3">
             <a:extLst>
               <a:ext uri="{FF2B5EF4-FFF2-40B4-BE49-F238E27FC236}">
-                <a16:creationId xmlns:a16="http://schemas.microsoft.com/office/drawing/2014/main" id="{1E895572-3D25-A708-C70E-B4DED9EB18AF}"/>
+                <a16:creationId xmlns:a16="http://schemas.microsoft.com/office/drawing/2014/main" id="{ABEF75B4-0917-E811-C48F-AA50CA902A4F}"/>
               </a:ext>
             </a:extLst>
           </p:cNvPr>
@@ -450,7 +450,7 @@
           <a:bodyPr/>
           <a:lstStyle/>
           <a:p>
-            <a:fld id="{50151DF2-BFEF-4623-83F5-5C562099D76B}" type="datetimeFigureOut">
+            <a:fld id="{E104E2D6-3EDC-454A-97CF-8743B42AA58C}" type="datetimeFigureOut">
               <a:rPr lang="zh-CN" altLang="en-US" smtClean="0"/>
               <a:t>2024/3/10</a:t>
             </a:fld>
@@ -463,7 +463,7 @@
           <p:cNvPr id="5" name="页脚占位符 4">
             <a:extLst>
               <a:ext uri="{FF2B5EF4-FFF2-40B4-BE49-F238E27FC236}">
-                <a16:creationId xmlns:a16="http://schemas.microsoft.com/office/drawing/2014/main" id="{EE9D47EB-19B6-3190-5774-10B35B207ACB}"/>
+                <a16:creationId xmlns:a16="http://schemas.microsoft.com/office/drawing/2014/main" id="{7D96A1E6-5891-E526-764D-EDCA5F88246A}"/>
               </a:ext>
             </a:extLst>
           </p:cNvPr>
@@ -488,7 +488,7 @@
           <p:cNvPr id="6" name="灯片编号占位符 5">
             <a:extLst>
               <a:ext uri="{FF2B5EF4-FFF2-40B4-BE49-F238E27FC236}">
-                <a16:creationId xmlns:a16="http://schemas.microsoft.com/office/drawing/2014/main" id="{CEB4FFE3-36B3-A783-2405-DFACA55BBFE6}"/>
+                <a16:creationId xmlns:a16="http://schemas.microsoft.com/office/drawing/2014/main" id="{93D4D9A9-A518-A4BA-585F-81E65147DBA5}"/>
               </a:ext>
             </a:extLst>
           </p:cNvPr>
@@ -504,7 +504,7 @@
           <a:bodyPr/>
           <a:lstStyle/>
           <a:p>
-            <a:fld id="{CAE7DC91-813C-421B-B846-CF0283B5E22D}" type="slidenum">
+            <a:fld id="{A58BDCCF-C77F-4660-95A3-0074C01BEBAD}" type="slidenum">
               <a:rPr lang="zh-CN" altLang="en-US" smtClean="0"/>
               <a:t>‹#›</a:t>
             </a:fld>
@@ -515,7 +515,7 @@
     </p:spTree>
     <p:extLst>
       <p:ext uri="{BB962C8B-B14F-4D97-AF65-F5344CB8AC3E}">
-        <p14:creationId xmlns:p14="http://schemas.microsoft.com/office/powerpoint/2010/main" val="1658938908"/>
+        <p14:creationId xmlns:p14="http://schemas.microsoft.com/office/powerpoint/2010/main" val="4270763562"/>
       </p:ext>
     </p:extLst>
   </p:cSld>
@@ -547,7 +547,7 @@
           <p:cNvPr id="2" name="竖排标题 1">
             <a:extLst>
               <a:ext uri="{FF2B5EF4-FFF2-40B4-BE49-F238E27FC236}">
-                <a16:creationId xmlns:a16="http://schemas.microsoft.com/office/drawing/2014/main" id="{3A62AD1F-8093-0F07-87AA-AA1FBC2A15AD}"/>
+                <a16:creationId xmlns:a16="http://schemas.microsoft.com/office/drawing/2014/main" id="{7564A953-A06E-429B-9CF4-4994D0D78FEE}"/>
               </a:ext>
             </a:extLst>
           </p:cNvPr>
@@ -580,7 +580,7 @@
           <p:cNvPr id="3" name="竖排文字占位符 2">
             <a:extLst>
               <a:ext uri="{FF2B5EF4-FFF2-40B4-BE49-F238E27FC236}">
-                <a16:creationId xmlns:a16="http://schemas.microsoft.com/office/drawing/2014/main" id="{70C646DE-DE3F-584A-21BC-082D36088E52}"/>
+                <a16:creationId xmlns:a16="http://schemas.microsoft.com/office/drawing/2014/main" id="{F85FA15B-38B7-E4B6-C39D-EE2647AFF3AE}"/>
               </a:ext>
             </a:extLst>
           </p:cNvPr>
@@ -642,7 +642,7 @@
           <p:cNvPr id="4" name="日期占位符 3">
             <a:extLst>
               <a:ext uri="{FF2B5EF4-FFF2-40B4-BE49-F238E27FC236}">
-                <a16:creationId xmlns:a16="http://schemas.microsoft.com/office/drawing/2014/main" id="{D13F82A4-3B37-EA6B-326D-6D60A124CF16}"/>
+                <a16:creationId xmlns:a16="http://schemas.microsoft.com/office/drawing/2014/main" id="{9C4B5FB1-3298-88E6-CDC7-04381FEB7C7F}"/>
               </a:ext>
             </a:extLst>
           </p:cNvPr>
@@ -658,7 +658,7 @@
           <a:bodyPr/>
           <a:lstStyle/>
           <a:p>
-            <a:fld id="{50151DF2-BFEF-4623-83F5-5C562099D76B}" type="datetimeFigureOut">
+            <a:fld id="{E104E2D6-3EDC-454A-97CF-8743B42AA58C}" type="datetimeFigureOut">
               <a:rPr lang="zh-CN" altLang="en-US" smtClean="0"/>
               <a:t>2024/3/10</a:t>
             </a:fld>
@@ -671,7 +671,7 @@
           <p:cNvPr id="5" name="页脚占位符 4">
             <a:extLst>
               <a:ext uri="{FF2B5EF4-FFF2-40B4-BE49-F238E27FC236}">
-                <a16:creationId xmlns:a16="http://schemas.microsoft.com/office/drawing/2014/main" id="{0B030B58-C47E-3443-340D-4D3E0251395E}"/>
+                <a16:creationId xmlns:a16="http://schemas.microsoft.com/office/drawing/2014/main" id="{BCBB005D-15C7-3461-97DD-081405E9EA17}"/>
               </a:ext>
             </a:extLst>
           </p:cNvPr>
@@ -696,7 +696,7 @@
           <p:cNvPr id="6" name="灯片编号占位符 5">
             <a:extLst>
               <a:ext uri="{FF2B5EF4-FFF2-40B4-BE49-F238E27FC236}">
-                <a16:creationId xmlns:a16="http://schemas.microsoft.com/office/drawing/2014/main" id="{7B159E68-025F-C5B5-8E16-3DE145FF4B05}"/>
+                <a16:creationId xmlns:a16="http://schemas.microsoft.com/office/drawing/2014/main" id="{2825E825-31BD-E954-7BE9-A56B87630958}"/>
               </a:ext>
             </a:extLst>
           </p:cNvPr>
@@ -712,7 +712,7 @@
           <a:bodyPr/>
           <a:lstStyle/>
           <a:p>
-            <a:fld id="{CAE7DC91-813C-421B-B846-CF0283B5E22D}" type="slidenum">
+            <a:fld id="{A58BDCCF-C77F-4660-95A3-0074C01BEBAD}" type="slidenum">
               <a:rPr lang="zh-CN" altLang="en-US" smtClean="0"/>
               <a:t>‹#›</a:t>
             </a:fld>
@@ -723,7 +723,7 @@
     </p:spTree>
     <p:extLst>
       <p:ext uri="{BB962C8B-B14F-4D97-AF65-F5344CB8AC3E}">
-        <p14:creationId xmlns:p14="http://schemas.microsoft.com/office/powerpoint/2010/main" val="2449989640"/>
+        <p14:creationId xmlns:p14="http://schemas.microsoft.com/office/powerpoint/2010/main" val="1974975440"/>
       </p:ext>
     </p:extLst>
   </p:cSld>
@@ -755,7 +755,7 @@
           <p:cNvPr id="2" name="标题 1">
             <a:extLst>
               <a:ext uri="{FF2B5EF4-FFF2-40B4-BE49-F238E27FC236}">
-                <a16:creationId xmlns:a16="http://schemas.microsoft.com/office/drawing/2014/main" id="{0ABF3194-B9E0-B691-D613-FD99CD63CAB8}"/>
+                <a16:creationId xmlns:a16="http://schemas.microsoft.com/office/drawing/2014/main" id="{5BE9A938-0854-E1B5-7702-89A1483326D4}"/>
               </a:ext>
             </a:extLst>
           </p:cNvPr>
@@ -783,7 +783,7 @@
           <p:cNvPr id="3" name="内容占位符 2">
             <a:extLst>
               <a:ext uri="{FF2B5EF4-FFF2-40B4-BE49-F238E27FC236}">
-                <a16:creationId xmlns:a16="http://schemas.microsoft.com/office/drawing/2014/main" id="{6D9E9B32-1D83-FE73-13DC-5F682BB96E71}"/>
+                <a16:creationId xmlns:a16="http://schemas.microsoft.com/office/drawing/2014/main" id="{2F92BDCB-3F4C-15E0-780F-F37A1FC49590}"/>
               </a:ext>
             </a:extLst>
           </p:cNvPr>
@@ -840,7 +840,7 @@
           <p:cNvPr id="4" name="日期占位符 3">
             <a:extLst>
               <a:ext uri="{FF2B5EF4-FFF2-40B4-BE49-F238E27FC236}">
-                <a16:creationId xmlns:a16="http://schemas.microsoft.com/office/drawing/2014/main" id="{B2627395-066B-CEF2-55E3-9C766CCF1046}"/>
+                <a16:creationId xmlns:a16="http://schemas.microsoft.com/office/drawing/2014/main" id="{FA85E931-BEFD-F374-B999-67F7494BFE4C}"/>
               </a:ext>
             </a:extLst>
           </p:cNvPr>
@@ -856,7 +856,7 @@
           <a:bodyPr/>
           <a:lstStyle/>
           <a:p>
-            <a:fld id="{50151DF2-BFEF-4623-83F5-5C562099D76B}" type="datetimeFigureOut">
+            <a:fld id="{E104E2D6-3EDC-454A-97CF-8743B42AA58C}" type="datetimeFigureOut">
               <a:rPr lang="zh-CN" altLang="en-US" smtClean="0"/>
               <a:t>2024/3/10</a:t>
             </a:fld>
@@ -869,7 +869,7 @@
           <p:cNvPr id="5" name="页脚占位符 4">
             <a:extLst>
               <a:ext uri="{FF2B5EF4-FFF2-40B4-BE49-F238E27FC236}">
-                <a16:creationId xmlns:a16="http://schemas.microsoft.com/office/drawing/2014/main" id="{A560352A-FDE2-D1B7-6C2C-E6516E4501DB}"/>
+                <a16:creationId xmlns:a16="http://schemas.microsoft.com/office/drawing/2014/main" id="{17E42FE9-8D4B-D434-D13D-A7410181457A}"/>
               </a:ext>
             </a:extLst>
           </p:cNvPr>
@@ -894,7 +894,7 @@
           <p:cNvPr id="6" name="灯片编号占位符 5">
             <a:extLst>
               <a:ext uri="{FF2B5EF4-FFF2-40B4-BE49-F238E27FC236}">
-                <a16:creationId xmlns:a16="http://schemas.microsoft.com/office/drawing/2014/main" id="{7D79A0E2-0052-D1D1-2D7F-7594A54B82C3}"/>
+                <a16:creationId xmlns:a16="http://schemas.microsoft.com/office/drawing/2014/main" id="{7E1066CB-448E-1A43-4790-ABE2CCF2A4A5}"/>
               </a:ext>
             </a:extLst>
           </p:cNvPr>
@@ -910,7 +910,7 @@
           <a:bodyPr/>
           <a:lstStyle/>
           <a:p>
-            <a:fld id="{CAE7DC91-813C-421B-B846-CF0283B5E22D}" type="slidenum">
+            <a:fld id="{A58BDCCF-C77F-4660-95A3-0074C01BEBAD}" type="slidenum">
               <a:rPr lang="zh-CN" altLang="en-US" smtClean="0"/>
               <a:t>‹#›</a:t>
             </a:fld>
@@ -921,7 +921,7 @@
     </p:spTree>
     <p:extLst>
       <p:ext uri="{BB962C8B-B14F-4D97-AF65-F5344CB8AC3E}">
-        <p14:creationId xmlns:p14="http://schemas.microsoft.com/office/powerpoint/2010/main" val="1310071337"/>
+        <p14:creationId xmlns:p14="http://schemas.microsoft.com/office/powerpoint/2010/main" val="1235636380"/>
       </p:ext>
     </p:extLst>
   </p:cSld>
@@ -953,7 +953,7 @@
           <p:cNvPr id="2" name="标题 1">
             <a:extLst>
               <a:ext uri="{FF2B5EF4-FFF2-40B4-BE49-F238E27FC236}">
-                <a16:creationId xmlns:a16="http://schemas.microsoft.com/office/drawing/2014/main" id="{88CD6A77-0B27-AC28-AF6F-87DC1861C464}"/>
+                <a16:creationId xmlns:a16="http://schemas.microsoft.com/office/drawing/2014/main" id="{887A88C6-9035-14A1-FDD8-1BAD84CA3CC5}"/>
               </a:ext>
             </a:extLst>
           </p:cNvPr>
@@ -990,7 +990,7 @@
           <p:cNvPr id="3" name="文本占位符 2">
             <a:extLst>
               <a:ext uri="{FF2B5EF4-FFF2-40B4-BE49-F238E27FC236}">
-                <a16:creationId xmlns:a16="http://schemas.microsoft.com/office/drawing/2014/main" id="{DCD290CF-3674-9129-E022-B50878A8D54E}"/>
+                <a16:creationId xmlns:a16="http://schemas.microsoft.com/office/drawing/2014/main" id="{6CB7162D-13DF-FF31-7D6C-3688C6972992}"/>
               </a:ext>
             </a:extLst>
           </p:cNvPr>
@@ -1115,7 +1115,7 @@
           <p:cNvPr id="4" name="日期占位符 3">
             <a:extLst>
               <a:ext uri="{FF2B5EF4-FFF2-40B4-BE49-F238E27FC236}">
-                <a16:creationId xmlns:a16="http://schemas.microsoft.com/office/drawing/2014/main" id="{1AFA42BC-915E-095D-CF04-91AB0C7AE0E0}"/>
+                <a16:creationId xmlns:a16="http://schemas.microsoft.com/office/drawing/2014/main" id="{CF006D9B-93A5-593A-E56E-797F6082E66E}"/>
               </a:ext>
             </a:extLst>
           </p:cNvPr>
@@ -1131,7 +1131,7 @@
           <a:bodyPr/>
           <a:lstStyle/>
           <a:p>
-            <a:fld id="{50151DF2-BFEF-4623-83F5-5C562099D76B}" type="datetimeFigureOut">
+            <a:fld id="{E104E2D6-3EDC-454A-97CF-8743B42AA58C}" type="datetimeFigureOut">
               <a:rPr lang="zh-CN" altLang="en-US" smtClean="0"/>
               <a:t>2024/3/10</a:t>
             </a:fld>
@@ -1144,7 +1144,7 @@
           <p:cNvPr id="5" name="页脚占位符 4">
             <a:extLst>
               <a:ext uri="{FF2B5EF4-FFF2-40B4-BE49-F238E27FC236}">
-                <a16:creationId xmlns:a16="http://schemas.microsoft.com/office/drawing/2014/main" id="{EF59A9A5-08BF-0DD4-CE91-0F6B5255E538}"/>
+                <a16:creationId xmlns:a16="http://schemas.microsoft.com/office/drawing/2014/main" id="{30E244A9-7683-D350-81C9-D97099E02F55}"/>
               </a:ext>
             </a:extLst>
           </p:cNvPr>
@@ -1169,7 +1169,7 @@
           <p:cNvPr id="6" name="灯片编号占位符 5">
             <a:extLst>
               <a:ext uri="{FF2B5EF4-FFF2-40B4-BE49-F238E27FC236}">
-                <a16:creationId xmlns:a16="http://schemas.microsoft.com/office/drawing/2014/main" id="{3D13CE39-2777-3441-0697-31A544E4517A}"/>
+                <a16:creationId xmlns:a16="http://schemas.microsoft.com/office/drawing/2014/main" id="{5631A8EB-2CCC-176B-3535-423CBD3F2295}"/>
               </a:ext>
             </a:extLst>
           </p:cNvPr>
@@ -1185,7 +1185,7 @@
           <a:bodyPr/>
           <a:lstStyle/>
           <a:p>
-            <a:fld id="{CAE7DC91-813C-421B-B846-CF0283B5E22D}" type="slidenum">
+            <a:fld id="{A58BDCCF-C77F-4660-95A3-0074C01BEBAD}" type="slidenum">
               <a:rPr lang="zh-CN" altLang="en-US" smtClean="0"/>
               <a:t>‹#›</a:t>
             </a:fld>
@@ -1196,7 +1196,7 @@
     </p:spTree>
     <p:extLst>
       <p:ext uri="{BB962C8B-B14F-4D97-AF65-F5344CB8AC3E}">
-        <p14:creationId xmlns:p14="http://schemas.microsoft.com/office/powerpoint/2010/main" val="3774612712"/>
+        <p14:creationId xmlns:p14="http://schemas.microsoft.com/office/powerpoint/2010/main" val="3924049478"/>
       </p:ext>
     </p:extLst>
   </p:cSld>
@@ -1228,7 +1228,7 @@
           <p:cNvPr id="2" name="标题 1">
             <a:extLst>
               <a:ext uri="{FF2B5EF4-FFF2-40B4-BE49-F238E27FC236}">
-                <a16:creationId xmlns:a16="http://schemas.microsoft.com/office/drawing/2014/main" id="{F17443E6-85A3-188B-58F1-CAB0E2B2CC67}"/>
+                <a16:creationId xmlns:a16="http://schemas.microsoft.com/office/drawing/2014/main" id="{828346C5-4864-619D-83B8-18F88714B26D}"/>
               </a:ext>
             </a:extLst>
           </p:cNvPr>
@@ -1256,7 +1256,7 @@
           <p:cNvPr id="3" name="内容占位符 2">
             <a:extLst>
               <a:ext uri="{FF2B5EF4-FFF2-40B4-BE49-F238E27FC236}">
-                <a16:creationId xmlns:a16="http://schemas.microsoft.com/office/drawing/2014/main" id="{715D5849-C88E-28DC-C73A-C5477290FF5D}"/>
+                <a16:creationId xmlns:a16="http://schemas.microsoft.com/office/drawing/2014/main" id="{5333158F-8BB7-6AF7-DB3E-B180DB1403F1}"/>
               </a:ext>
             </a:extLst>
           </p:cNvPr>
@@ -1318,7 +1318,7 @@
           <p:cNvPr id="4" name="内容占位符 3">
             <a:extLst>
               <a:ext uri="{FF2B5EF4-FFF2-40B4-BE49-F238E27FC236}">
-                <a16:creationId xmlns:a16="http://schemas.microsoft.com/office/drawing/2014/main" id="{588AED0E-ABE1-C13C-4527-57A2EA08A83A}"/>
+                <a16:creationId xmlns:a16="http://schemas.microsoft.com/office/drawing/2014/main" id="{28522BA0-4FF3-E5BD-8C7F-88B7DC49CA1D}"/>
               </a:ext>
             </a:extLst>
           </p:cNvPr>
@@ -1380,7 +1380,7 @@
           <p:cNvPr id="5" name="日期占位符 4">
             <a:extLst>
               <a:ext uri="{FF2B5EF4-FFF2-40B4-BE49-F238E27FC236}">
-                <a16:creationId xmlns:a16="http://schemas.microsoft.com/office/drawing/2014/main" id="{F36587B8-8990-0EE6-A0F8-5C91DFA63217}"/>
+                <a16:creationId xmlns:a16="http://schemas.microsoft.com/office/drawing/2014/main" id="{DD380CF1-CCC6-E8CD-DB20-06FBB73FC576}"/>
               </a:ext>
             </a:extLst>
           </p:cNvPr>
@@ -1396,7 +1396,7 @@
           <a:bodyPr/>
           <a:lstStyle/>
           <a:p>
-            <a:fld id="{50151DF2-BFEF-4623-83F5-5C562099D76B}" type="datetimeFigureOut">
+            <a:fld id="{E104E2D6-3EDC-454A-97CF-8743B42AA58C}" type="datetimeFigureOut">
               <a:rPr lang="zh-CN" altLang="en-US" smtClean="0"/>
               <a:t>2024/3/10</a:t>
             </a:fld>
@@ -1409,7 +1409,7 @@
           <p:cNvPr id="6" name="页脚占位符 5">
             <a:extLst>
               <a:ext uri="{FF2B5EF4-FFF2-40B4-BE49-F238E27FC236}">
-                <a16:creationId xmlns:a16="http://schemas.microsoft.com/office/drawing/2014/main" id="{D6D03532-C53E-9700-C1FE-A801E656B301}"/>
+                <a16:creationId xmlns:a16="http://schemas.microsoft.com/office/drawing/2014/main" id="{51233EF5-8AA1-F05F-854B-FD44DE8A221A}"/>
               </a:ext>
             </a:extLst>
           </p:cNvPr>
@@ -1434,7 +1434,7 @@
           <p:cNvPr id="7" name="灯片编号占位符 6">
             <a:extLst>
               <a:ext uri="{FF2B5EF4-FFF2-40B4-BE49-F238E27FC236}">
-                <a16:creationId xmlns:a16="http://schemas.microsoft.com/office/drawing/2014/main" id="{3E9838BE-4209-341E-4FC5-BC6D2EECC675}"/>
+                <a16:creationId xmlns:a16="http://schemas.microsoft.com/office/drawing/2014/main" id="{D23E2EC1-5390-DB1F-79BF-9071CD74B49D}"/>
               </a:ext>
             </a:extLst>
           </p:cNvPr>
@@ -1450,7 +1450,7 @@
           <a:bodyPr/>
           <a:lstStyle/>
           <a:p>
-            <a:fld id="{CAE7DC91-813C-421B-B846-CF0283B5E22D}" type="slidenum">
+            <a:fld id="{A58BDCCF-C77F-4660-95A3-0074C01BEBAD}" type="slidenum">
               <a:rPr lang="zh-CN" altLang="en-US" smtClean="0"/>
               <a:t>‹#›</a:t>
             </a:fld>
@@ -1461,7 +1461,7 @@
     </p:spTree>
     <p:extLst>
       <p:ext uri="{BB962C8B-B14F-4D97-AF65-F5344CB8AC3E}">
-        <p14:creationId xmlns:p14="http://schemas.microsoft.com/office/powerpoint/2010/main" val="1941098394"/>
+        <p14:creationId xmlns:p14="http://schemas.microsoft.com/office/powerpoint/2010/main" val="3105078968"/>
       </p:ext>
     </p:extLst>
   </p:cSld>
@@ -1493,7 +1493,7 @@
           <p:cNvPr id="2" name="标题 1">
             <a:extLst>
               <a:ext uri="{FF2B5EF4-FFF2-40B4-BE49-F238E27FC236}">
-                <a16:creationId xmlns:a16="http://schemas.microsoft.com/office/drawing/2014/main" id="{9CF1054A-00A3-F1A5-3BBC-731A937316EC}"/>
+                <a16:creationId xmlns:a16="http://schemas.microsoft.com/office/drawing/2014/main" id="{B2CF9F65-EA27-D5FB-44AD-75E3E351A826}"/>
               </a:ext>
             </a:extLst>
           </p:cNvPr>
@@ -1526,7 +1526,7 @@
           <p:cNvPr id="3" name="文本占位符 2">
             <a:extLst>
               <a:ext uri="{FF2B5EF4-FFF2-40B4-BE49-F238E27FC236}">
-                <a16:creationId xmlns:a16="http://schemas.microsoft.com/office/drawing/2014/main" id="{6F13B457-15E1-4E1A-9F83-73658E6A7D41}"/>
+                <a16:creationId xmlns:a16="http://schemas.microsoft.com/office/drawing/2014/main" id="{7940AA76-6EA1-EBFD-89CF-E088C53E7E56}"/>
               </a:ext>
             </a:extLst>
           </p:cNvPr>
@@ -1597,7 +1597,7 @@
           <p:cNvPr id="4" name="内容占位符 3">
             <a:extLst>
               <a:ext uri="{FF2B5EF4-FFF2-40B4-BE49-F238E27FC236}">
-                <a16:creationId xmlns:a16="http://schemas.microsoft.com/office/drawing/2014/main" id="{B7056AA1-C385-429F-EA8D-40A1C9C0DA8E}"/>
+                <a16:creationId xmlns:a16="http://schemas.microsoft.com/office/drawing/2014/main" id="{45CD25D4-979C-6044-143A-501BA0BA728E}"/>
               </a:ext>
             </a:extLst>
           </p:cNvPr>
@@ -1659,7 +1659,7 @@
           <p:cNvPr id="5" name="文本占位符 4">
             <a:extLst>
               <a:ext uri="{FF2B5EF4-FFF2-40B4-BE49-F238E27FC236}">
-                <a16:creationId xmlns:a16="http://schemas.microsoft.com/office/drawing/2014/main" id="{9E2B56D0-22D8-622C-5262-DBAB585A0282}"/>
+                <a16:creationId xmlns:a16="http://schemas.microsoft.com/office/drawing/2014/main" id="{13ADF2A7-1E3C-8A93-325D-32078794551B}"/>
               </a:ext>
             </a:extLst>
           </p:cNvPr>
@@ -1730,7 +1730,7 @@
           <p:cNvPr id="6" name="内容占位符 5">
             <a:extLst>
               <a:ext uri="{FF2B5EF4-FFF2-40B4-BE49-F238E27FC236}">
-                <a16:creationId xmlns:a16="http://schemas.microsoft.com/office/drawing/2014/main" id="{2E93141F-4179-7CFC-51B1-25D3F225C0B7}"/>
+                <a16:creationId xmlns:a16="http://schemas.microsoft.com/office/drawing/2014/main" id="{D83CE433-0229-6CFF-15AC-36FA4F4CBFD2}"/>
               </a:ext>
             </a:extLst>
           </p:cNvPr>
@@ -1792,7 +1792,7 @@
           <p:cNvPr id="7" name="日期占位符 6">
             <a:extLst>
               <a:ext uri="{FF2B5EF4-FFF2-40B4-BE49-F238E27FC236}">
-                <a16:creationId xmlns:a16="http://schemas.microsoft.com/office/drawing/2014/main" id="{5D48D888-4092-FCC4-7360-D64FCB27F02B}"/>
+                <a16:creationId xmlns:a16="http://schemas.microsoft.com/office/drawing/2014/main" id="{E2E965C5-3F01-A518-D5E3-14EDCDC1E249}"/>
               </a:ext>
             </a:extLst>
           </p:cNvPr>
@@ -1808,7 +1808,7 @@
           <a:bodyPr/>
           <a:lstStyle/>
           <a:p>
-            <a:fld id="{50151DF2-BFEF-4623-83F5-5C562099D76B}" type="datetimeFigureOut">
+            <a:fld id="{E104E2D6-3EDC-454A-97CF-8743B42AA58C}" type="datetimeFigureOut">
               <a:rPr lang="zh-CN" altLang="en-US" smtClean="0"/>
               <a:t>2024/3/10</a:t>
             </a:fld>
@@ -1821,7 +1821,7 @@
           <p:cNvPr id="8" name="页脚占位符 7">
             <a:extLst>
               <a:ext uri="{FF2B5EF4-FFF2-40B4-BE49-F238E27FC236}">
-                <a16:creationId xmlns:a16="http://schemas.microsoft.com/office/drawing/2014/main" id="{130F5EAF-0484-0336-9D86-2217B61E02F4}"/>
+                <a16:creationId xmlns:a16="http://schemas.microsoft.com/office/drawing/2014/main" id="{8F4DBDA0-9E2C-EB83-9F02-8229AAFB95BC}"/>
               </a:ext>
             </a:extLst>
           </p:cNvPr>
@@ -1846,7 +1846,7 @@
           <p:cNvPr id="9" name="灯片编号占位符 8">
             <a:extLst>
               <a:ext uri="{FF2B5EF4-FFF2-40B4-BE49-F238E27FC236}">
-                <a16:creationId xmlns:a16="http://schemas.microsoft.com/office/drawing/2014/main" id="{2F9E5860-C237-D951-3D1E-2A2B30A3447E}"/>
+                <a16:creationId xmlns:a16="http://schemas.microsoft.com/office/drawing/2014/main" id="{B5554978-65EB-B564-A412-EA44AE77E0B6}"/>
               </a:ext>
             </a:extLst>
           </p:cNvPr>
@@ -1862,7 +1862,7 @@
           <a:bodyPr/>
           <a:lstStyle/>
           <a:p>
-            <a:fld id="{CAE7DC91-813C-421B-B846-CF0283B5E22D}" type="slidenum">
+            <a:fld id="{A58BDCCF-C77F-4660-95A3-0074C01BEBAD}" type="slidenum">
               <a:rPr lang="zh-CN" altLang="en-US" smtClean="0"/>
               <a:t>‹#›</a:t>
             </a:fld>
@@ -1873,7 +1873,7 @@
     </p:spTree>
     <p:extLst>
       <p:ext uri="{BB962C8B-B14F-4D97-AF65-F5344CB8AC3E}">
-        <p14:creationId xmlns:p14="http://schemas.microsoft.com/office/powerpoint/2010/main" val="1549369195"/>
+        <p14:creationId xmlns:p14="http://schemas.microsoft.com/office/powerpoint/2010/main" val="1601868265"/>
       </p:ext>
     </p:extLst>
   </p:cSld>
@@ -1905,7 +1905,7 @@
           <p:cNvPr id="2" name="标题 1">
             <a:extLst>
               <a:ext uri="{FF2B5EF4-FFF2-40B4-BE49-F238E27FC236}">
-                <a16:creationId xmlns:a16="http://schemas.microsoft.com/office/drawing/2014/main" id="{36C39F22-0C89-44B8-1F70-B2E4FD3994AD}"/>
+                <a16:creationId xmlns:a16="http://schemas.microsoft.com/office/drawing/2014/main" id="{E9CEE55E-7762-3A99-E325-FDC6ABD6BFBB}"/>
               </a:ext>
             </a:extLst>
           </p:cNvPr>
@@ -1933,7 +1933,7 @@
           <p:cNvPr id="3" name="日期占位符 2">
             <a:extLst>
               <a:ext uri="{FF2B5EF4-FFF2-40B4-BE49-F238E27FC236}">
-                <a16:creationId xmlns:a16="http://schemas.microsoft.com/office/drawing/2014/main" id="{F6E1C59B-6AB6-3F69-EF37-03BEA51E029A}"/>
+                <a16:creationId xmlns:a16="http://schemas.microsoft.com/office/drawing/2014/main" id="{20DAA00C-A64F-AB41-5CB8-9183354CF049}"/>
               </a:ext>
             </a:extLst>
           </p:cNvPr>
@@ -1949,7 +1949,7 @@
           <a:bodyPr/>
           <a:lstStyle/>
           <a:p>
-            <a:fld id="{50151DF2-BFEF-4623-83F5-5C562099D76B}" type="datetimeFigureOut">
+            <a:fld id="{E104E2D6-3EDC-454A-97CF-8743B42AA58C}" type="datetimeFigureOut">
               <a:rPr lang="zh-CN" altLang="en-US" smtClean="0"/>
               <a:t>2024/3/10</a:t>
             </a:fld>
@@ -1962,7 +1962,7 @@
           <p:cNvPr id="4" name="页脚占位符 3">
             <a:extLst>
               <a:ext uri="{FF2B5EF4-FFF2-40B4-BE49-F238E27FC236}">
-                <a16:creationId xmlns:a16="http://schemas.microsoft.com/office/drawing/2014/main" id="{9DD8202D-A1B6-0B9A-78A5-FF1CC4221796}"/>
+                <a16:creationId xmlns:a16="http://schemas.microsoft.com/office/drawing/2014/main" id="{1DE8483B-01AE-1242-E91B-A6D22312811E}"/>
               </a:ext>
             </a:extLst>
           </p:cNvPr>
@@ -1987,7 +1987,7 @@
           <p:cNvPr id="5" name="灯片编号占位符 4">
             <a:extLst>
               <a:ext uri="{FF2B5EF4-FFF2-40B4-BE49-F238E27FC236}">
-                <a16:creationId xmlns:a16="http://schemas.microsoft.com/office/drawing/2014/main" id="{5E8FB939-B066-A98A-6CE6-73CEAF960479}"/>
+                <a16:creationId xmlns:a16="http://schemas.microsoft.com/office/drawing/2014/main" id="{EC9F61EF-53E6-E69B-9AD2-8273A3A80F40}"/>
               </a:ext>
             </a:extLst>
           </p:cNvPr>
@@ -2003,7 +2003,7 @@
           <a:bodyPr/>
           <a:lstStyle/>
           <a:p>
-            <a:fld id="{CAE7DC91-813C-421B-B846-CF0283B5E22D}" type="slidenum">
+            <a:fld id="{A58BDCCF-C77F-4660-95A3-0074C01BEBAD}" type="slidenum">
               <a:rPr lang="zh-CN" altLang="en-US" smtClean="0"/>
               <a:t>‹#›</a:t>
             </a:fld>
@@ -2014,7 +2014,7 @@
     </p:spTree>
     <p:extLst>
       <p:ext uri="{BB962C8B-B14F-4D97-AF65-F5344CB8AC3E}">
-        <p14:creationId xmlns:p14="http://schemas.microsoft.com/office/powerpoint/2010/main" val="748118542"/>
+        <p14:creationId xmlns:p14="http://schemas.microsoft.com/office/powerpoint/2010/main" val="4089186683"/>
       </p:ext>
     </p:extLst>
   </p:cSld>
@@ -2046,7 +2046,7 @@
           <p:cNvPr id="2" name="日期占位符 1">
             <a:extLst>
               <a:ext uri="{FF2B5EF4-FFF2-40B4-BE49-F238E27FC236}">
-                <a16:creationId xmlns:a16="http://schemas.microsoft.com/office/drawing/2014/main" id="{694DA167-995A-232A-D9A2-43AF215A60C5}"/>
+                <a16:creationId xmlns:a16="http://schemas.microsoft.com/office/drawing/2014/main" id="{33AFE147-7D0C-E86D-3D3C-62F82FA09FAA}"/>
               </a:ext>
             </a:extLst>
           </p:cNvPr>
@@ -2062,7 +2062,7 @@
           <a:bodyPr/>
           <a:lstStyle/>
           <a:p>
-            <a:fld id="{50151DF2-BFEF-4623-83F5-5C562099D76B}" type="datetimeFigureOut">
+            <a:fld id="{E104E2D6-3EDC-454A-97CF-8743B42AA58C}" type="datetimeFigureOut">
               <a:rPr lang="zh-CN" altLang="en-US" smtClean="0"/>
               <a:t>2024/3/10</a:t>
             </a:fld>
@@ -2075,7 +2075,7 @@
           <p:cNvPr id="3" name="页脚占位符 2">
             <a:extLst>
               <a:ext uri="{FF2B5EF4-FFF2-40B4-BE49-F238E27FC236}">
-                <a16:creationId xmlns:a16="http://schemas.microsoft.com/office/drawing/2014/main" id="{10A22B72-1D99-CC19-3FC7-AD22C1FA6E5F}"/>
+                <a16:creationId xmlns:a16="http://schemas.microsoft.com/office/drawing/2014/main" id="{D6FEFBA5-AA99-522F-5687-7960921B8950}"/>
               </a:ext>
             </a:extLst>
           </p:cNvPr>
@@ -2100,7 +2100,7 @@
           <p:cNvPr id="4" name="灯片编号占位符 3">
             <a:extLst>
               <a:ext uri="{FF2B5EF4-FFF2-40B4-BE49-F238E27FC236}">
-                <a16:creationId xmlns:a16="http://schemas.microsoft.com/office/drawing/2014/main" id="{EAE8B23A-7273-EB99-D5A4-249D3F4EBE0F}"/>
+                <a16:creationId xmlns:a16="http://schemas.microsoft.com/office/drawing/2014/main" id="{5B1E3A69-EC19-AC9A-3177-DCA9FDB94A06}"/>
               </a:ext>
             </a:extLst>
           </p:cNvPr>
@@ -2116,7 +2116,7 @@
           <a:bodyPr/>
           <a:lstStyle/>
           <a:p>
-            <a:fld id="{CAE7DC91-813C-421B-B846-CF0283B5E22D}" type="slidenum">
+            <a:fld id="{A58BDCCF-C77F-4660-95A3-0074C01BEBAD}" type="slidenum">
               <a:rPr lang="zh-CN" altLang="en-US" smtClean="0"/>
               <a:t>‹#›</a:t>
             </a:fld>
@@ -2127,7 +2127,7 @@
     </p:spTree>
     <p:extLst>
       <p:ext uri="{BB962C8B-B14F-4D97-AF65-F5344CB8AC3E}">
-        <p14:creationId xmlns:p14="http://schemas.microsoft.com/office/powerpoint/2010/main" val="3359948052"/>
+        <p14:creationId xmlns:p14="http://schemas.microsoft.com/office/powerpoint/2010/main" val="548819012"/>
       </p:ext>
     </p:extLst>
   </p:cSld>
@@ -2159,7 +2159,7 @@
           <p:cNvPr id="2" name="标题 1">
             <a:extLst>
               <a:ext uri="{FF2B5EF4-FFF2-40B4-BE49-F238E27FC236}">
-                <a16:creationId xmlns:a16="http://schemas.microsoft.com/office/drawing/2014/main" id="{1716E6F8-EB83-996E-CDDA-4C479656E7A4}"/>
+                <a16:creationId xmlns:a16="http://schemas.microsoft.com/office/drawing/2014/main" id="{E4BA4D4B-6614-9463-805A-C7FEF15A16EE}"/>
               </a:ext>
             </a:extLst>
           </p:cNvPr>
@@ -2196,7 +2196,7 @@
           <p:cNvPr id="3" name="内容占位符 2">
             <a:extLst>
               <a:ext uri="{FF2B5EF4-FFF2-40B4-BE49-F238E27FC236}">
-                <a16:creationId xmlns:a16="http://schemas.microsoft.com/office/drawing/2014/main" id="{53EECF39-1201-F5FA-0122-51D11A6C70D4}"/>
+                <a16:creationId xmlns:a16="http://schemas.microsoft.com/office/drawing/2014/main" id="{8E059E33-55D9-2BA9-B3AD-BED96FF3AAF1}"/>
               </a:ext>
             </a:extLst>
           </p:cNvPr>
@@ -2286,7 +2286,7 @@
           <p:cNvPr id="4" name="文本占位符 3">
             <a:extLst>
               <a:ext uri="{FF2B5EF4-FFF2-40B4-BE49-F238E27FC236}">
-                <a16:creationId xmlns:a16="http://schemas.microsoft.com/office/drawing/2014/main" id="{6604DF44-01A1-61B4-A5AC-1F28165C8EF3}"/>
+                <a16:creationId xmlns:a16="http://schemas.microsoft.com/office/drawing/2014/main" id="{78B3ADB4-F926-76B1-12A6-F05C535B61C3}"/>
               </a:ext>
             </a:extLst>
           </p:cNvPr>
@@ -2357,7 +2357,7 @@
           <p:cNvPr id="5" name="日期占位符 4">
             <a:extLst>
               <a:ext uri="{FF2B5EF4-FFF2-40B4-BE49-F238E27FC236}">
-                <a16:creationId xmlns:a16="http://schemas.microsoft.com/office/drawing/2014/main" id="{F6918566-92E3-1E9E-304F-691B9A99A156}"/>
+                <a16:creationId xmlns:a16="http://schemas.microsoft.com/office/drawing/2014/main" id="{2DA2FF19-09F2-147F-31FE-6D24E26695A5}"/>
               </a:ext>
             </a:extLst>
           </p:cNvPr>
@@ -2373,7 +2373,7 @@
           <a:bodyPr/>
           <a:lstStyle/>
           <a:p>
-            <a:fld id="{50151DF2-BFEF-4623-83F5-5C562099D76B}" type="datetimeFigureOut">
+            <a:fld id="{E104E2D6-3EDC-454A-97CF-8743B42AA58C}" type="datetimeFigureOut">
               <a:rPr lang="zh-CN" altLang="en-US" smtClean="0"/>
               <a:t>2024/3/10</a:t>
             </a:fld>
@@ -2386,7 +2386,7 @@
           <p:cNvPr id="6" name="页脚占位符 5">
             <a:extLst>
               <a:ext uri="{FF2B5EF4-FFF2-40B4-BE49-F238E27FC236}">
-                <a16:creationId xmlns:a16="http://schemas.microsoft.com/office/drawing/2014/main" id="{8FBEA4EF-2E22-581D-50BA-C25873C3F014}"/>
+                <a16:creationId xmlns:a16="http://schemas.microsoft.com/office/drawing/2014/main" id="{A0291F6D-53FC-8ECF-A25C-EC7E1A2DFAEE}"/>
               </a:ext>
             </a:extLst>
           </p:cNvPr>
@@ -2411,7 +2411,7 @@
           <p:cNvPr id="7" name="灯片编号占位符 6">
             <a:extLst>
               <a:ext uri="{FF2B5EF4-FFF2-40B4-BE49-F238E27FC236}">
-                <a16:creationId xmlns:a16="http://schemas.microsoft.com/office/drawing/2014/main" id="{20B77B8B-B616-10BA-363E-B1B75789AC21}"/>
+                <a16:creationId xmlns:a16="http://schemas.microsoft.com/office/drawing/2014/main" id="{E3777876-FAAB-811A-202D-DB4C0BAE295C}"/>
               </a:ext>
             </a:extLst>
           </p:cNvPr>
@@ -2427,7 +2427,7 @@
           <a:bodyPr/>
           <a:lstStyle/>
           <a:p>
-            <a:fld id="{CAE7DC91-813C-421B-B846-CF0283B5E22D}" type="slidenum">
+            <a:fld id="{A58BDCCF-C77F-4660-95A3-0074C01BEBAD}" type="slidenum">
               <a:rPr lang="zh-CN" altLang="en-US" smtClean="0"/>
               <a:t>‹#›</a:t>
             </a:fld>
@@ -2438,7 +2438,7 @@
     </p:spTree>
     <p:extLst>
       <p:ext uri="{BB962C8B-B14F-4D97-AF65-F5344CB8AC3E}">
-        <p14:creationId xmlns:p14="http://schemas.microsoft.com/office/powerpoint/2010/main" val="3784457066"/>
+        <p14:creationId xmlns:p14="http://schemas.microsoft.com/office/powerpoint/2010/main" val="3257607405"/>
       </p:ext>
     </p:extLst>
   </p:cSld>
@@ -2470,7 +2470,7 @@
           <p:cNvPr id="2" name="标题 1">
             <a:extLst>
               <a:ext uri="{FF2B5EF4-FFF2-40B4-BE49-F238E27FC236}">
-                <a16:creationId xmlns:a16="http://schemas.microsoft.com/office/drawing/2014/main" id="{9F404EA9-C90C-DA4E-F78C-DE87A26E6A6E}"/>
+                <a16:creationId xmlns:a16="http://schemas.microsoft.com/office/drawing/2014/main" id="{A476BE35-EAB1-6E6F-E71D-6E2170581031}"/>
               </a:ext>
             </a:extLst>
           </p:cNvPr>
@@ -2507,7 +2507,7 @@
           <p:cNvPr id="3" name="图片占位符 2">
             <a:extLst>
               <a:ext uri="{FF2B5EF4-FFF2-40B4-BE49-F238E27FC236}">
-                <a16:creationId xmlns:a16="http://schemas.microsoft.com/office/drawing/2014/main" id="{196FE4F2-ADB5-5B21-870B-889ACEF600D1}"/>
+                <a16:creationId xmlns:a16="http://schemas.microsoft.com/office/drawing/2014/main" id="{1E288CDE-123D-C845-34E0-9FB056402878}"/>
               </a:ext>
             </a:extLst>
           </p:cNvPr>
@@ -2574,7 +2574,7 @@
           <p:cNvPr id="4" name="文本占位符 3">
             <a:extLst>
               <a:ext uri="{FF2B5EF4-FFF2-40B4-BE49-F238E27FC236}">
-                <a16:creationId xmlns:a16="http://schemas.microsoft.com/office/drawing/2014/main" id="{F6C15406-86C8-4BDB-5869-4253BCA25472}"/>
+                <a16:creationId xmlns:a16="http://schemas.microsoft.com/office/drawing/2014/main" id="{E2DF99BA-9C56-53D9-D851-F35A04729B81}"/>
               </a:ext>
             </a:extLst>
           </p:cNvPr>
@@ -2645,7 +2645,7 @@
           <p:cNvPr id="5" name="日期占位符 4">
             <a:extLst>
               <a:ext uri="{FF2B5EF4-FFF2-40B4-BE49-F238E27FC236}">
-                <a16:creationId xmlns:a16="http://schemas.microsoft.com/office/drawing/2014/main" id="{C7144454-26AC-1163-8ABB-2306F7A2D577}"/>
+                <a16:creationId xmlns:a16="http://schemas.microsoft.com/office/drawing/2014/main" id="{1F2B14FE-B5AC-451B-E0B2-C06D2CEF45BB}"/>
               </a:ext>
             </a:extLst>
           </p:cNvPr>
@@ -2661,7 +2661,7 @@
           <a:bodyPr/>
           <a:lstStyle/>
           <a:p>
-            <a:fld id="{50151DF2-BFEF-4623-83F5-5C562099D76B}" type="datetimeFigureOut">
+            <a:fld id="{E104E2D6-3EDC-454A-97CF-8743B42AA58C}" type="datetimeFigureOut">
               <a:rPr lang="zh-CN" altLang="en-US" smtClean="0"/>
               <a:t>2024/3/10</a:t>
             </a:fld>
@@ -2674,7 +2674,7 @@
           <p:cNvPr id="6" name="页脚占位符 5">
             <a:extLst>
               <a:ext uri="{FF2B5EF4-FFF2-40B4-BE49-F238E27FC236}">
-                <a16:creationId xmlns:a16="http://schemas.microsoft.com/office/drawing/2014/main" id="{6F5F894B-125B-3FB3-C07E-EFE428466BBB}"/>
+                <a16:creationId xmlns:a16="http://schemas.microsoft.com/office/drawing/2014/main" id="{9D09A03E-4A3D-1E99-59ED-373662DF2A15}"/>
               </a:ext>
             </a:extLst>
           </p:cNvPr>
@@ -2699,7 +2699,7 @@
           <p:cNvPr id="7" name="灯片编号占位符 6">
             <a:extLst>
               <a:ext uri="{FF2B5EF4-FFF2-40B4-BE49-F238E27FC236}">
-                <a16:creationId xmlns:a16="http://schemas.microsoft.com/office/drawing/2014/main" id="{DD46CCD1-9F8A-954F-84C5-D522C0D07B07}"/>
+                <a16:creationId xmlns:a16="http://schemas.microsoft.com/office/drawing/2014/main" id="{28F271EB-40B0-9D04-EB04-3DF3D68A6382}"/>
               </a:ext>
             </a:extLst>
           </p:cNvPr>
@@ -2715,7 +2715,7 @@
           <a:bodyPr/>
           <a:lstStyle/>
           <a:p>
-            <a:fld id="{CAE7DC91-813C-421B-B846-CF0283B5E22D}" type="slidenum">
+            <a:fld id="{A58BDCCF-C77F-4660-95A3-0074C01BEBAD}" type="slidenum">
               <a:rPr lang="zh-CN" altLang="en-US" smtClean="0"/>
               <a:t>‹#›</a:t>
             </a:fld>
@@ -2726,7 +2726,7 @@
     </p:spTree>
     <p:extLst>
       <p:ext uri="{BB962C8B-B14F-4D97-AF65-F5344CB8AC3E}">
-        <p14:creationId xmlns:p14="http://schemas.microsoft.com/office/powerpoint/2010/main" val="1528234578"/>
+        <p14:creationId xmlns:p14="http://schemas.microsoft.com/office/powerpoint/2010/main" val="1804167057"/>
       </p:ext>
     </p:extLst>
   </p:cSld>
@@ -2763,7 +2763,7 @@
           <p:cNvPr id="2" name="标题占位符 1">
             <a:extLst>
               <a:ext uri="{FF2B5EF4-FFF2-40B4-BE49-F238E27FC236}">
-                <a16:creationId xmlns:a16="http://schemas.microsoft.com/office/drawing/2014/main" id="{4AB47F96-3FD2-3617-E5C7-CF1F90600AA1}"/>
+                <a16:creationId xmlns:a16="http://schemas.microsoft.com/office/drawing/2014/main" id="{F54C3F21-F608-EFCA-292F-8B08043D5401}"/>
               </a:ext>
             </a:extLst>
           </p:cNvPr>
@@ -2801,7 +2801,7 @@
           <p:cNvPr id="3" name="文本占位符 2">
             <a:extLst>
               <a:ext uri="{FF2B5EF4-FFF2-40B4-BE49-F238E27FC236}">
-                <a16:creationId xmlns:a16="http://schemas.microsoft.com/office/drawing/2014/main" id="{B1F36A2A-E862-00C0-15F2-8D251BB5C806}"/>
+                <a16:creationId xmlns:a16="http://schemas.microsoft.com/office/drawing/2014/main" id="{3FC40319-95ED-CCB4-E3CE-EF517D86B1CC}"/>
               </a:ext>
             </a:extLst>
           </p:cNvPr>
@@ -2868,7 +2868,7 @@
           <p:cNvPr id="4" name="日期占位符 3">
             <a:extLst>
               <a:ext uri="{FF2B5EF4-FFF2-40B4-BE49-F238E27FC236}">
-                <a16:creationId xmlns:a16="http://schemas.microsoft.com/office/drawing/2014/main" id="{79FD2A64-FAA5-4F5D-7D9E-E779A68D2B10}"/>
+                <a16:creationId xmlns:a16="http://schemas.microsoft.com/office/drawing/2014/main" id="{C7B2CD02-21F4-CE39-AC1A-AEE3E4D85D0E}"/>
               </a:ext>
             </a:extLst>
           </p:cNvPr>
@@ -2902,7 +2902,7 @@
             </a:lvl1pPr>
           </a:lstStyle>
           <a:p>
-            <a:fld id="{50151DF2-BFEF-4623-83F5-5C562099D76B}" type="datetimeFigureOut">
+            <a:fld id="{E104E2D6-3EDC-454A-97CF-8743B42AA58C}" type="datetimeFigureOut">
               <a:rPr lang="zh-CN" altLang="en-US" smtClean="0"/>
               <a:t>2024/3/10</a:t>
             </a:fld>
@@ -2915,7 +2915,7 @@
           <p:cNvPr id="5" name="页脚占位符 4">
             <a:extLst>
               <a:ext uri="{FF2B5EF4-FFF2-40B4-BE49-F238E27FC236}">
-                <a16:creationId xmlns:a16="http://schemas.microsoft.com/office/drawing/2014/main" id="{D6BC8FDA-D1F9-5392-5E48-D508B655E44A}"/>
+                <a16:creationId xmlns:a16="http://schemas.microsoft.com/office/drawing/2014/main" id="{459D2BE8-27DD-F883-B668-072DC5ADAE56}"/>
               </a:ext>
             </a:extLst>
           </p:cNvPr>
@@ -2958,7 +2958,7 @@
           <p:cNvPr id="6" name="灯片编号占位符 5">
             <a:extLst>
               <a:ext uri="{FF2B5EF4-FFF2-40B4-BE49-F238E27FC236}">
-                <a16:creationId xmlns:a16="http://schemas.microsoft.com/office/drawing/2014/main" id="{8BF481CB-7F8D-16D4-2813-F80C04120303}"/>
+                <a16:creationId xmlns:a16="http://schemas.microsoft.com/office/drawing/2014/main" id="{B319BEBD-EE79-C684-B0B2-3DB6FDBF62A1}"/>
               </a:ext>
             </a:extLst>
           </p:cNvPr>
@@ -2992,7 +2992,7 @@
             </a:lvl1pPr>
           </a:lstStyle>
           <a:p>
-            <a:fld id="{CAE7DC91-813C-421B-B846-CF0283B5E22D}" type="slidenum">
+            <a:fld id="{A58BDCCF-C77F-4660-95A3-0074C01BEBAD}" type="slidenum">
               <a:rPr lang="zh-CN" altLang="en-US" smtClean="0"/>
               <a:t>‹#›</a:t>
             </a:fld>
@@ -3003,7 +3003,7 @@
     </p:spTree>
     <p:extLst>
       <p:ext uri="{BB962C8B-B14F-4D97-AF65-F5344CB8AC3E}">
-        <p14:creationId xmlns:p14="http://schemas.microsoft.com/office/powerpoint/2010/main" val="465045120"/>
+        <p14:creationId xmlns:p14="http://schemas.microsoft.com/office/powerpoint/2010/main" val="224743252"/>
       </p:ext>
     </p:extLst>
   </p:cSld>
@@ -3323,7 +3323,7 @@
       </p:grpSpPr>
       <p:pic>
         <p:nvPicPr>
-          <p:cNvPr id="567298" name="Picture 2" descr="553"/>
+          <p:cNvPr id="568322" name="Picture 2" descr="554"/>
           <p:cNvPicPr>
             <a:picLocks noChangeAspect="1" noChangeArrowheads="1"/>
           </p:cNvPicPr>
@@ -3375,11 +3375,158 @@
           </a:extLst>
         </p:spPr>
       </p:pic>
+      <p:pic>
+        <p:nvPicPr>
+          <p:cNvPr id="569347" name="Picture 3" descr="554-2"/>
+          <p:cNvPicPr>
+            <a:picLocks noChangeAspect="1" noChangeArrowheads="1"/>
+          </p:cNvPicPr>
+          <p:nvPr/>
+        </p:nvPicPr>
+        <p:blipFill>
+          <a:blip r:embed="rId3">
+            <a:extLst>
+              <a:ext uri="{28A0092B-C50C-407E-A947-70E740481C1C}">
+                <a14:useLocalDpi xmlns:a14="http://schemas.microsoft.com/office/drawing/2010/main" val="0"/>
+              </a:ext>
+            </a:extLst>
+          </a:blip>
+          <a:srcRect/>
+          <a:stretch>
+            <a:fillRect/>
+          </a:stretch>
+        </p:blipFill>
+        <p:spPr bwMode="auto">
+          <a:xfrm>
+            <a:off x="1524000" y="0"/>
+            <a:ext cx="9144000" cy="6858000"/>
+          </a:xfrm>
+          <a:prstGeom prst="rect">
+            <a:avLst/>
+          </a:prstGeom>
+          <a:noFill/>
+          <a:ln>
+            <a:noFill/>
+          </a:ln>
+          <a:effectLst/>
+          <a:extLst>
+            <a:ext uri="{909E8E84-426E-40DD-AFC4-6F175D3DCCD1}">
+              <a14:hiddenFill xmlns:a14="http://schemas.microsoft.com/office/drawing/2010/main">
+                <a:solidFill>
+                  <a:srgbClr val="FFFFFF"/>
+                </a:solidFill>
+              </a14:hiddenFill>
+            </a:ext>
+            <a:ext uri="{91240B29-F687-4F45-9708-019B960494DF}">
+              <a14:hiddenLine xmlns:a14="http://schemas.microsoft.com/office/drawing/2010/main" w="9525">
+                <a:solidFill>
+                  <a:srgbClr val="000000"/>
+                </a:solidFill>
+                <a:miter lim="800000"/>
+                <a:headEnd/>
+                <a:tailEnd/>
+              </a14:hiddenLine>
+            </a:ext>
+            <a:ext uri="{AF507438-7753-43E0-B8FC-AC1667EBCBE1}">
+              <a14:hiddenEffects xmlns:a14="http://schemas.microsoft.com/office/drawing/2010/main">
+                <a:effectLst>
+                  <a:outerShdw dist="35921" dir="2700000" algn="ctr" rotWithShape="0">
+                    <a:srgbClr val="808080"/>
+                  </a:outerShdw>
+                </a:effectLst>
+              </a14:hiddenEffects>
+            </a:ext>
+          </a:extLst>
+        </p:spPr>
+      </p:pic>
     </p:spTree>
   </p:cSld>
   <p:clrMapOvr>
     <a:masterClrMapping/>
   </p:clrMapOvr>
+  <p:timing>
+    <p:tnLst>
+      <p:par>
+        <p:cTn id="1" dur="indefinite" restart="never" nodeType="tmRoot">
+          <p:childTnLst>
+            <p:seq concurrent="1" nextAc="seek">
+              <p:cTn id="2" dur="indefinite" nodeType="mainSeq">
+                <p:childTnLst>
+                  <p:par>
+                    <p:cTn id="3" fill="hold" nodeType="clickPar">
+                      <p:stCondLst>
+                        <p:cond delay="indefinite"/>
+                      </p:stCondLst>
+                      <p:childTnLst>
+                        <p:par>
+                          <p:cTn id="4" fill="hold" nodeType="withGroup">
+                            <p:stCondLst>
+                              <p:cond delay="0"/>
+                            </p:stCondLst>
+                            <p:childTnLst>
+                              <p:par>
+                                <p:cTn id="5" presetID="10" presetClass="entr" presetSubtype="0" fill="hold" nodeType="clickEffect">
+                                  <p:stCondLst>
+                                    <p:cond delay="0"/>
+                                  </p:stCondLst>
+                                  <p:childTnLst>
+                                    <p:set>
+                                      <p:cBhvr>
+                                        <p:cTn id="6" dur="1" fill="hold">
+                                          <p:stCondLst>
+                                            <p:cond delay="0"/>
+                                          </p:stCondLst>
+                                        </p:cTn>
+                                        <p:tgtEl>
+                                          <p:spTgt spid="569347"/>
+                                        </p:tgtEl>
+                                        <p:attrNameLst>
+                                          <p:attrName>style.visibility</p:attrName>
+                                        </p:attrNameLst>
+                                      </p:cBhvr>
+                                      <p:to>
+                                        <p:strVal val="visible"/>
+                                      </p:to>
+                                    </p:set>
+                                    <p:animEffect transition="in" filter="fade">
+                                      <p:cBhvr>
+                                        <p:cTn id="7" dur="500"/>
+                                        <p:tgtEl>
+                                          <p:spTgt spid="569347"/>
+                                        </p:tgtEl>
+                                      </p:cBhvr>
+                                    </p:animEffect>
+                                  </p:childTnLst>
+                                </p:cTn>
+                              </p:par>
+                            </p:childTnLst>
+                          </p:cTn>
+                        </p:par>
+                      </p:childTnLst>
+                    </p:cTn>
+                  </p:par>
+                </p:childTnLst>
+              </p:cTn>
+              <p:prevCondLst>
+                <p:cond evt="onPrev" delay="0">
+                  <p:tgtEl>
+                    <p:sldTgt/>
+                  </p:tgtEl>
+                </p:cond>
+              </p:prevCondLst>
+              <p:nextCondLst>
+                <p:cond evt="onNext" delay="0">
+                  <p:tgtEl>
+                    <p:sldTgt/>
+                  </p:tgtEl>
+                </p:cond>
+              </p:nextCondLst>
+            </p:seq>
+          </p:childTnLst>
+        </p:cTn>
+      </p:par>
+    </p:tnLst>
+  </p:timing>
 </p:sld>
 </file>
 
